--- a/5.Crypto/less math slides/Cryptology4-Public-Key-Intro-RSA.pptx
+++ b/5.Crypto/less math slides/Cryptology4-Public-Key-Intro-RSA.pptx
@@ -214,7 +214,7 @@
           <a:p>
             <a:fld id="{2AC0D433-9248-46F4-9682-6CC4E8F4FBC6}" type="datetimeFigureOut">
               <a:rPr lang="en-US" smtClean="0"/>
-              <a:t>2/20/2020</a:t>
+              <a:t>8/19/2020</a:t>
             </a:fld>
             <a:endParaRPr lang="en-US"/>
           </a:p>
@@ -653,7 +653,7 @@
             </a:r>
             <a:r>
               <a:rPr lang="en-US" dirty="0"/>
-              <a:t>.  If an attacker can guess either p or q they can break your encryption.  Also, you want numbers p and q that haven’t been used by anyone else.  If someone else has used them, they will recognize your n and know how to factor it.  See the “Importance of strong random number generation” heading in </a:t>
+              <a:t>.  If an attacker can guess either p or q, they can break your encryption.  Also, you want numbers p and q that haven’t been used by anyone else.  If someone else has used them, they will recognize your n and know how to factor it.  See the “Importance of strong random number generation” heading in </a:t>
             </a:r>
             <a:r>
               <a:rPr lang="en-US" dirty="0">
@@ -691,7 +691,7 @@
           <a:p>
             <a:r>
               <a:rPr lang="en-US" dirty="0"/>
-              <a:t>The key to RSA cryptography is that we encrypt by taking large integers to large powers mod n.  To decrypt, we have to know the inverse of that large power, and computing the inverse mod n is difficult.  We can use a shortcut to compute the inverse mod n because we know the factors of n.  Since the attackers cannot factor n (hopefully) they cannot compute the inverse they need for decryption.</a:t>
+              <a:t>The key to RSA cryptography is that we encrypt by taking large integers to large powers mod n.  To decrypt, we have to know the inverse of that large power and computing the inverse is difficult.  We can use a shortcut to compute the inverse because we know the factors of n.  Since the attackers cannot factor n (hopefully) they cannot compute the inverse they need for decryption.</a:t>
             </a:r>
           </a:p>
           <a:p>
@@ -787,7 +787,7 @@
           <a:p>
             <a:r>
               <a:rPr lang="en-US" dirty="0"/>
-              <a:t>For each block of data, either encryption or decryption requires you to take a ~2000 bit (or more) number to a ~2000 bit power.  This takes time.  Research has shown that using a small number for the public key still provides good security.  However the private key still has to be large to provide good security.  Generally this means that encryption is faster than decryption in RSA.</a:t>
+              <a:t>For each block of data, either encryption or decryption requires you to take a ~2000-bit (or more) number to a ~2000-bit power.  This takes time.  Research has shown that using a small number for the public key still provides good security.  However the private key still must be large to provide good security.  Generally this means that encryption is faster than decryption in RSA.</a:t>
             </a:r>
           </a:p>
           <a:p>
@@ -812,7 +812,7 @@
           <a:p>
             <a:r>
               <a:rPr lang="en-US" dirty="0"/>
-              <a:t>Luckily for us, Python uses arbitrary length arithmetic all the time.  The Python power function works fine, as long as we remember to use the modulo version.  If we use pow(x, y) we get </a:t>
+              <a:t>Luckily for us, Python uses arbitrary length arithmetic all the time.  The Python power function works fine, if we remember to use the modulo version.  If we use pow(x, y) we get </a:t>
             </a:r>
             <a:r>
               <a:rPr lang="en-US" dirty="0" err="1"/>
@@ -845,7 +845,7 @@
           <a:p>
             <a:r>
               <a:rPr lang="en-US" dirty="0"/>
-              <a:t>Another problem is that the plaintext (converted to an integer) has to be smaller than the key size.  We have to do a lot of work to encrypt/decrypt a block of 2047 bits.</a:t>
+              <a:t>Another problem is that the plaintext (converted to an integer) must be smaller than the key size.  It takes a lot of work to encrypt/decrypt a block of 2047 bits.</a:t>
             </a:r>
           </a:p>
         </p:txBody>
@@ -1231,7 +1231,7 @@
           <a:p>
             <a:r>
               <a:rPr lang="en-US" dirty="0"/>
-              <a:t>Most of you could break this example with paper and pencil, or at least a calculator.  If you download the first 100 prime numbers, and divide them into 1457 until you have the factors p and q.  You would probably want to use Python or another language with big integers to compute 1200</a:t>
+              <a:t>Most of you could break this example with paper and pencil, or at least a calculator.  You could download the first 100 prime numbers, and divide them into 1457 until you find the factors p and q.  You would probably want to use Python or another language with big integers to compute 1200</a:t>
             </a:r>
             <a:r>
               <a:rPr lang="en-US" baseline="30000" dirty="0"/>
@@ -1376,7 +1376,7 @@
           <a:p>
             <a:r>
               <a:rPr lang="en-US" dirty="0"/>
-              <a:t>Only we have private key, so anyone can decrypt with our well known public key.  What good is that?  We can prove we sent the message, since only we have the private key.</a:t>
+              <a:t>Only we have private key, so anyone can decrypt with our well-known public key.  What good is that?  We can prove we sent the message, since only we have the private key.</a:t>
             </a:r>
           </a:p>
           <a:p>
@@ -1385,13 +1385,8 @@
           <a:p>
             <a:r>
               <a:rPr lang="en-US" dirty="0"/>
-              <a:t>Note:  Do not encrypt and sign with the same key pair.  You will undo your encryption.  </a:t>
-            </a:r>
-            <a:r>
-              <a:rPr lang="en-US"/>
-              <a:t>Oops!</a:t>
-            </a:r>
-            <a:endParaRPr lang="en-US" dirty="0"/>
+              <a:t>Note:  Do not encrypt and sign with the same key pair.  You will undo your encryption.  Oops!</a:t>
+            </a:r>
           </a:p>
           <a:p>
             <a:endParaRPr lang="en-US" dirty="0"/>
@@ -1495,7 +1490,7 @@
           <a:p>
             <a:r>
               <a:rPr lang="en-US" dirty="0"/>
-              <a:t>If we have a large number of people, and want any given pair of people to be able to communicate without the others overhearing, there has to be one key for every possible pair of people.  That number gets large quickly.</a:t>
+              <a:t>If we have a large number of people and want any given pair of people to be able to communicate without the others overhearing, there has to be one key for every possible pair of people.  That number gets large quickly.</a:t>
             </a:r>
           </a:p>
           <a:p>
@@ -1591,7 +1586,7 @@
           <a:p>
             <a:r>
               <a:rPr lang="en-US" dirty="0"/>
-              <a:t>Key Exchange allows Alice and Bob to agree on a secret key, even when they are communication over an unsecure network; Eve may be listening but she cannot determine the key.  Bob can encrypt a session key with Eve’s public key, and Eve can decrypt with her private key.  We still have a problem--Bob has to be sure Alice’s public key is really from Alice and not from an attacker.</a:t>
+              <a:t>Key Exchange allows Alice and Bob to agree on a secret key, even when they are communication over an unsecure network; Eve may be listening, but she cannot determine the key.  Bob can encrypt a session key with Eve’s public key, and Eve can decrypt with her private key.  We still have a problem--Bob must be sure Alice’s public key is really from Alice and not from an attacker.</a:t>
             </a:r>
           </a:p>
           <a:p>
@@ -1698,14 +1693,19 @@
             <p:ph type="body" idx="1"/>
           </p:nvPr>
         </p:nvSpPr>
-        <p:spPr/>
-        <p:txBody>
-          <a:bodyPr/>
-          <a:lstStyle/>
-          <a:p>
-            <a:r>
-              <a:rPr lang="en-US" dirty="0"/>
-              <a:t>When we talk about factoring large integers, the word “large” really means gigantic.  A 2048 bit number is over 600 digits long when expressed in base 10 (decimal.)  There are algorithms for factoring large integers that are faster than brute force (</a:t>
+        <p:spPr>
+          <a:xfrm>
+            <a:off x="685800" y="4400549"/>
+            <a:ext cx="5486400" cy="3701459"/>
+          </a:xfrm>
+        </p:spPr>
+        <p:txBody>
+          <a:bodyPr/>
+          <a:lstStyle/>
+          <a:p>
+            <a:r>
+              <a:rPr lang="en-US" dirty="0"/>
+              <a:t>When we talk about factoring large integers, the word “large” really means gigantic.  A 2048-bit number is over 600 digits long when expressed in base 10 (decimal.)  There are algorithms for factoring large integers that are faster than brute force (</a:t>
             </a:r>
             <a:r>
               <a:rPr lang="en-US" dirty="0">
@@ -1715,15 +1715,7 @@
             </a:r>
             <a:r>
               <a:rPr lang="en-US" dirty="0"/>
-              <a:t>) but no algorithm has been found that can factor 2048-bit numbers in a reasonable amount of time, provided the factors were properly chosen.  A good laptop can factor a 384-bit integer (~315 </a:t>
-            </a:r>
-            <a:r>
-              <a:rPr lang="en-US"/>
-              <a:t>decimal digits) </a:t>
-            </a:r>
-            <a:r>
-              <a:rPr lang="en-US" dirty="0"/>
-              <a:t>in about 8 hours (</a:t>
+              <a:t>) but no algorithm has been found that can factor 2048-bit numbers in a reasonable amount of time, provided the factors were properly chosen.  A good laptop can factor a 384-bit integer (~315 decimal digits) in about 8 hours (</a:t>
             </a:r>
             <a:r>
               <a:rPr lang="en-US" dirty="0">
@@ -1866,7 +1858,7 @@
           <a:p>
             <a:r>
               <a:rPr lang="en-US" dirty="0"/>
-              <a:t>This diagram is from the US National Institute of Standards (NIST).  It attempts to compare the security of different encryption methods by comparing the difficulty of breaking that method with the difficulty of breaking symmetric encryption with a certain key length.</a:t>
+              <a:t>This diagram is from the US National Institute of Standards (NIST).  It attempts to compare the security of different encryption methods by comparing the difficulty of breaking that method to the difficulty of breaking symmetric encryption with a certain key length.</a:t>
             </a:r>
           </a:p>
           <a:p>
@@ -1875,7 +1867,7 @@
           <a:p>
             <a:r>
               <a:rPr lang="en-US" dirty="0"/>
-              <a:t>The left column is the equivalent security provided by symmetric encryption with that length of key.  The minimum acceptable key length for symmetric encryption is currently 112 bits, although AES with at least 128 bit keys is usual.  For Diffie-Helman (FFC column) and RSA (IFC column) the current key length is 2048 bits.</a:t>
+              <a:t>The left column is the equivalent security provided by symmetric encryption with that length of key.  The minimum acceptable key length for symmetric encryption is currently 112 bits, although AES with at least 128-bit keys is usual.  For Diffie-Helman (FFC column) and RSA (IFC column) the current key length is 2048 bits.</a:t>
             </a:r>
           </a:p>
           <a:p>
@@ -2108,7 +2100,7 @@
           <a:p>
             <a:r>
               <a:rPr lang="en-US" dirty="0"/>
-              <a:t>A 307 decimal digit number was factored in 2007.  That’s equivalent to a number 1000 bits long.  Nation states can certainly factor 1024 bit numbers in 2018.</a:t>
+              <a:t>A 307 decimal digit number was factored in 2007.  That’s equivalent to a number 1000 bits long.  Nation states can certainly factor 1024-bit numbers in 2018.</a:t>
             </a:r>
             <a:br>
               <a:rPr lang="en-US" dirty="0"/>
@@ -2288,7 +2280,16 @@
           <a:p>
             <a:r>
               <a:rPr lang="en-US" dirty="0"/>
-              <a:t>And a 2048 bit number would be twice as long…</a:t>
+              <a:t>And a 2048-bit number would be twice as long…</a:t>
+            </a:r>
+          </a:p>
+          <a:p>
+            <a:endParaRPr lang="en-US" dirty="0"/>
+          </a:p>
+          <a:p>
+            <a:r>
+              <a:rPr lang="en-US" dirty="0"/>
+              <a:t>He is joking in the cartoon, of course.  The number 2018 is very small and easily factored by humans.</a:t>
             </a:r>
           </a:p>
         </p:txBody>
@@ -2389,7 +2390,7 @@
           <a:p>
             <a:r>
               <a:rPr lang="en-US" dirty="0"/>
-              <a:t>Bob uses the public key, e, to computer </a:t>
+              <a:t>Bob uses the public key, e, to compute </a:t>
             </a:r>
             <a:r>
               <a:rPr lang="en-US" dirty="0" err="1"/>
@@ -2659,7 +2660,7 @@
           <a:p>
             <a:fld id="{C3E06BAD-05F5-44A9-B5C5-B831AE20BFF1}" type="datetimeFigureOut">
               <a:rPr lang="en-US" smtClean="0"/>
-              <a:t>2/20/2020</a:t>
+              <a:t>8/19/2020</a:t>
             </a:fld>
             <a:endParaRPr lang="en-US"/>
           </a:p>
@@ -2857,7 +2858,7 @@
           <a:p>
             <a:fld id="{C3E06BAD-05F5-44A9-B5C5-B831AE20BFF1}" type="datetimeFigureOut">
               <a:rPr lang="en-US" smtClean="0"/>
-              <a:t>2/20/2020</a:t>
+              <a:t>8/19/2020</a:t>
             </a:fld>
             <a:endParaRPr lang="en-US"/>
           </a:p>
@@ -3065,7 +3066,7 @@
           <a:p>
             <a:fld id="{C3E06BAD-05F5-44A9-B5C5-B831AE20BFF1}" type="datetimeFigureOut">
               <a:rPr lang="en-US" smtClean="0"/>
-              <a:t>2/20/2020</a:t>
+              <a:t>8/19/2020</a:t>
             </a:fld>
             <a:endParaRPr lang="en-US"/>
           </a:p>
@@ -3263,7 +3264,7 @@
           <a:p>
             <a:fld id="{C3E06BAD-05F5-44A9-B5C5-B831AE20BFF1}" type="datetimeFigureOut">
               <a:rPr lang="en-US" smtClean="0"/>
-              <a:t>2/20/2020</a:t>
+              <a:t>8/19/2020</a:t>
             </a:fld>
             <a:endParaRPr lang="en-US"/>
           </a:p>
@@ -3538,7 +3539,7 @@
           <a:p>
             <a:fld id="{C3E06BAD-05F5-44A9-B5C5-B831AE20BFF1}" type="datetimeFigureOut">
               <a:rPr lang="en-US" smtClean="0"/>
-              <a:t>2/20/2020</a:t>
+              <a:t>8/19/2020</a:t>
             </a:fld>
             <a:endParaRPr lang="en-US"/>
           </a:p>
@@ -3803,7 +3804,7 @@
           <a:p>
             <a:fld id="{C3E06BAD-05F5-44A9-B5C5-B831AE20BFF1}" type="datetimeFigureOut">
               <a:rPr lang="en-US" smtClean="0"/>
-              <a:t>2/20/2020</a:t>
+              <a:t>8/19/2020</a:t>
             </a:fld>
             <a:endParaRPr lang="en-US"/>
           </a:p>
@@ -4215,7 +4216,7 @@
           <a:p>
             <a:fld id="{C3E06BAD-05F5-44A9-B5C5-B831AE20BFF1}" type="datetimeFigureOut">
               <a:rPr lang="en-US" smtClean="0"/>
-              <a:t>2/20/2020</a:t>
+              <a:t>8/19/2020</a:t>
             </a:fld>
             <a:endParaRPr lang="en-US"/>
           </a:p>
@@ -4356,7 +4357,7 @@
           <a:p>
             <a:fld id="{C3E06BAD-05F5-44A9-B5C5-B831AE20BFF1}" type="datetimeFigureOut">
               <a:rPr lang="en-US" smtClean="0"/>
-              <a:t>2/20/2020</a:t>
+              <a:t>8/19/2020</a:t>
             </a:fld>
             <a:endParaRPr lang="en-US"/>
           </a:p>
@@ -4469,7 +4470,7 @@
           <a:p>
             <a:fld id="{C3E06BAD-05F5-44A9-B5C5-B831AE20BFF1}" type="datetimeFigureOut">
               <a:rPr lang="en-US" smtClean="0"/>
-              <a:t>2/20/2020</a:t>
+              <a:t>8/19/2020</a:t>
             </a:fld>
             <a:endParaRPr lang="en-US"/>
           </a:p>
@@ -4780,7 +4781,7 @@
           <a:p>
             <a:fld id="{C3E06BAD-05F5-44A9-B5C5-B831AE20BFF1}" type="datetimeFigureOut">
               <a:rPr lang="en-US" smtClean="0"/>
-              <a:t>2/20/2020</a:t>
+              <a:t>8/19/2020</a:t>
             </a:fld>
             <a:endParaRPr lang="en-US"/>
           </a:p>
@@ -5068,7 +5069,7 @@
           <a:p>
             <a:fld id="{C3E06BAD-05F5-44A9-B5C5-B831AE20BFF1}" type="datetimeFigureOut">
               <a:rPr lang="en-US" smtClean="0"/>
-              <a:t>2/20/2020</a:t>
+              <a:t>8/19/2020</a:t>
             </a:fld>
             <a:endParaRPr lang="en-US"/>
           </a:p>
@@ -5309,7 +5310,7 @@
           <a:p>
             <a:fld id="{C3E06BAD-05F5-44A9-B5C5-B831AE20BFF1}" type="datetimeFigureOut">
               <a:rPr lang="en-US" smtClean="0"/>
-              <a:t>2/20/2020</a:t>
+              <a:t>8/19/2020</a:t>
             </a:fld>
             <a:endParaRPr lang="en-US"/>
           </a:p>
